--- a/P4_Efficiency/P4.pptx
+++ b/P4_Efficiency/P4.pptx
@@ -17,6 +17,8 @@
     <p:sldId id="274" r:id="rId11"/>
     <p:sldId id="270" r:id="rId12"/>
     <p:sldId id="271" r:id="rId13"/>
+    <p:sldId id="276" r:id="rId14"/>
+    <p:sldId id="277" r:id="rId15"/>
   </p:sldIdLst>
   <p:sldSz cx="12192000" cy="6858000"/>
   <p:notesSz cx="6858000" cy="9144000"/>
@@ -270,7 +272,7 @@
           <a:p>
             <a:fld id="{CDECDB59-CFD0-4648-B03A-72695392FFF2}" type="datetimeFigureOut">
               <a:rPr lang="zh-CN" altLang="en-US" smtClean="0"/>
-              <a:t>2022/8/12</a:t>
+              <a:t>2022/8/15</a:t>
             </a:fld>
             <a:endParaRPr lang="zh-CN" altLang="en-US"/>
           </a:p>
@@ -468,7 +470,7 @@
           <a:p>
             <a:fld id="{CDECDB59-CFD0-4648-B03A-72695392FFF2}" type="datetimeFigureOut">
               <a:rPr lang="zh-CN" altLang="en-US" smtClean="0"/>
-              <a:t>2022/8/12</a:t>
+              <a:t>2022/8/15</a:t>
             </a:fld>
             <a:endParaRPr lang="zh-CN" altLang="en-US"/>
           </a:p>
@@ -676,7 +678,7 @@
           <a:p>
             <a:fld id="{CDECDB59-CFD0-4648-B03A-72695392FFF2}" type="datetimeFigureOut">
               <a:rPr lang="zh-CN" altLang="en-US" smtClean="0"/>
-              <a:t>2022/8/12</a:t>
+              <a:t>2022/8/15</a:t>
             </a:fld>
             <a:endParaRPr lang="zh-CN" altLang="en-US"/>
           </a:p>
@@ -874,7 +876,7 @@
           <a:p>
             <a:fld id="{CDECDB59-CFD0-4648-B03A-72695392FFF2}" type="datetimeFigureOut">
               <a:rPr lang="zh-CN" altLang="en-US" smtClean="0"/>
-              <a:t>2022/8/12</a:t>
+              <a:t>2022/8/15</a:t>
             </a:fld>
             <a:endParaRPr lang="zh-CN" altLang="en-US"/>
           </a:p>
@@ -1149,7 +1151,7 @@
           <a:p>
             <a:fld id="{CDECDB59-CFD0-4648-B03A-72695392FFF2}" type="datetimeFigureOut">
               <a:rPr lang="zh-CN" altLang="en-US" smtClean="0"/>
-              <a:t>2022/8/12</a:t>
+              <a:t>2022/8/15</a:t>
             </a:fld>
             <a:endParaRPr lang="zh-CN" altLang="en-US"/>
           </a:p>
@@ -1414,7 +1416,7 @@
           <a:p>
             <a:fld id="{CDECDB59-CFD0-4648-B03A-72695392FFF2}" type="datetimeFigureOut">
               <a:rPr lang="zh-CN" altLang="en-US" smtClean="0"/>
-              <a:t>2022/8/12</a:t>
+              <a:t>2022/8/15</a:t>
             </a:fld>
             <a:endParaRPr lang="zh-CN" altLang="en-US"/>
           </a:p>
@@ -1826,7 +1828,7 @@
           <a:p>
             <a:fld id="{CDECDB59-CFD0-4648-B03A-72695392FFF2}" type="datetimeFigureOut">
               <a:rPr lang="zh-CN" altLang="en-US" smtClean="0"/>
-              <a:t>2022/8/12</a:t>
+              <a:t>2022/8/15</a:t>
             </a:fld>
             <a:endParaRPr lang="zh-CN" altLang="en-US"/>
           </a:p>
@@ -1967,7 +1969,7 @@
           <a:p>
             <a:fld id="{CDECDB59-CFD0-4648-B03A-72695392FFF2}" type="datetimeFigureOut">
               <a:rPr lang="zh-CN" altLang="en-US" smtClean="0"/>
-              <a:t>2022/8/12</a:t>
+              <a:t>2022/8/15</a:t>
             </a:fld>
             <a:endParaRPr lang="zh-CN" altLang="en-US"/>
           </a:p>
@@ -2080,7 +2082,7 @@
           <a:p>
             <a:fld id="{CDECDB59-CFD0-4648-B03A-72695392FFF2}" type="datetimeFigureOut">
               <a:rPr lang="zh-CN" altLang="en-US" smtClean="0"/>
-              <a:t>2022/8/12</a:t>
+              <a:t>2022/8/15</a:t>
             </a:fld>
             <a:endParaRPr lang="zh-CN" altLang="en-US"/>
           </a:p>
@@ -2391,7 +2393,7 @@
           <a:p>
             <a:fld id="{CDECDB59-CFD0-4648-B03A-72695392FFF2}" type="datetimeFigureOut">
               <a:rPr lang="zh-CN" altLang="en-US" smtClean="0"/>
-              <a:t>2022/8/12</a:t>
+              <a:t>2022/8/15</a:t>
             </a:fld>
             <a:endParaRPr lang="zh-CN" altLang="en-US"/>
           </a:p>
@@ -2679,7 +2681,7 @@
           <a:p>
             <a:fld id="{CDECDB59-CFD0-4648-B03A-72695392FFF2}" type="datetimeFigureOut">
               <a:rPr lang="zh-CN" altLang="en-US" smtClean="0"/>
-              <a:t>2022/8/12</a:t>
+              <a:t>2022/8/15</a:t>
             </a:fld>
             <a:endParaRPr lang="zh-CN" altLang="en-US"/>
           </a:p>
@@ -2920,7 +2922,7 @@
           <a:p>
             <a:fld id="{CDECDB59-CFD0-4648-B03A-72695392FFF2}" type="datetimeFigureOut">
               <a:rPr lang="zh-CN" altLang="en-US" smtClean="0"/>
-              <a:t>2022/8/12</a:t>
+              <a:t>2022/8/15</a:t>
             </a:fld>
             <a:endParaRPr lang="zh-CN" altLang="en-US"/>
           </a:p>
@@ -3905,7 +3907,7 @@
           <a:p>
             <a:r>
               <a:rPr lang="zh-CN" altLang="en-US" sz="2000" dirty="0"/>
-              <a:t>调节效应</a:t>
+              <a:t>中介效应</a:t>
             </a:r>
           </a:p>
         </p:txBody>
@@ -4606,6 +4608,266 @@
     <p:extLst>
       <p:ext uri="{BB962C8B-B14F-4D97-AF65-F5344CB8AC3E}">
         <p14:creationId xmlns:p14="http://schemas.microsoft.com/office/powerpoint/2010/main" val="1559284562"/>
+      </p:ext>
+    </p:extLst>
+  </p:cSld>
+  <p:clrMapOvr>
+    <a:masterClrMapping/>
+  </p:clrMapOvr>
+</p:sld>
+</file>
+
+<file path=ppt/slides/slide13.xml><?xml version="1.0" encoding="utf-8"?>
+<p:sld xmlns:a="http://schemas.openxmlformats.org/drawingml/2006/main" xmlns:r="http://schemas.openxmlformats.org/officeDocument/2006/relationships" xmlns:p="http://schemas.openxmlformats.org/presentationml/2006/main">
+  <p:cSld>
+    <p:spTree>
+      <p:nvGrpSpPr>
+        <p:cNvPr id="1" name=""/>
+        <p:cNvGrpSpPr/>
+        <p:nvPr/>
+      </p:nvGrpSpPr>
+      <p:grpSpPr>
+        <a:xfrm>
+          <a:off x="0" y="0"/>
+          <a:ext cx="0" cy="0"/>
+          <a:chOff x="0" y="0"/>
+          <a:chExt cx="0" cy="0"/>
+        </a:xfrm>
+      </p:grpSpPr>
+      <p:sp>
+        <p:nvSpPr>
+          <p:cNvPr id="8" name="文本框 7">
+            <a:extLst>
+              <a:ext uri="{FF2B5EF4-FFF2-40B4-BE49-F238E27FC236}">
+                <a16:creationId xmlns:a16="http://schemas.microsoft.com/office/drawing/2014/main" id="{C3DDCDB9-7458-60CF-0EA1-947FC504F841}"/>
+              </a:ext>
+            </a:extLst>
+          </p:cNvPr>
+          <p:cNvSpPr txBox="1"/>
+          <p:nvPr/>
+        </p:nvSpPr>
+        <p:spPr>
+          <a:xfrm>
+            <a:off x="690283" y="508792"/>
+            <a:ext cx="1201270" cy="400110"/>
+          </a:xfrm>
+          <a:prstGeom prst="rect">
+            <a:avLst/>
+          </a:prstGeom>
+          <a:noFill/>
+        </p:spPr>
+        <p:txBody>
+          <a:bodyPr wrap="square">
+            <a:spAutoFit/>
+          </a:bodyPr>
+          <a:lstStyle/>
+          <a:p>
+            <a:r>
+              <a:rPr lang="zh-CN" altLang="en-US" sz="2000" dirty="0"/>
+              <a:t>中介效应</a:t>
+            </a:r>
+          </a:p>
+        </p:txBody>
+      </p:sp>
+      <p:pic>
+        <p:nvPicPr>
+          <p:cNvPr id="4" name="图片 3">
+            <a:extLst>
+              <a:ext uri="{FF2B5EF4-FFF2-40B4-BE49-F238E27FC236}">
+                <a16:creationId xmlns:a16="http://schemas.microsoft.com/office/drawing/2014/main" id="{F0F87068-BD4A-CD88-E502-B5A384B764B0}"/>
+              </a:ext>
+            </a:extLst>
+          </p:cNvPr>
+          <p:cNvPicPr>
+            <a:picLocks noChangeAspect="1"/>
+          </p:cNvPicPr>
+          <p:nvPr/>
+        </p:nvPicPr>
+        <p:blipFill>
+          <a:blip r:embed="rId2"/>
+          <a:stretch>
+            <a:fillRect/>
+          </a:stretch>
+        </p:blipFill>
+        <p:spPr>
+          <a:xfrm>
+            <a:off x="293819" y="2813236"/>
+            <a:ext cx="11604362" cy="1188325"/>
+          </a:xfrm>
+          <a:prstGeom prst="rect">
+            <a:avLst/>
+          </a:prstGeom>
+        </p:spPr>
+      </p:pic>
+      <p:sp>
+        <p:nvSpPr>
+          <p:cNvPr id="9" name="文本框 8">
+            <a:extLst>
+              <a:ext uri="{FF2B5EF4-FFF2-40B4-BE49-F238E27FC236}">
+                <a16:creationId xmlns:a16="http://schemas.microsoft.com/office/drawing/2014/main" id="{D2555CB4-48C9-406A-C5AE-23ED3158D1A5}"/>
+              </a:ext>
+            </a:extLst>
+          </p:cNvPr>
+          <p:cNvSpPr txBox="1"/>
+          <p:nvPr/>
+        </p:nvSpPr>
+        <p:spPr>
+          <a:xfrm>
+            <a:off x="690283" y="1661014"/>
+            <a:ext cx="1201270" cy="400110"/>
+          </a:xfrm>
+          <a:prstGeom prst="rect">
+            <a:avLst/>
+          </a:prstGeom>
+          <a:noFill/>
+        </p:spPr>
+        <p:txBody>
+          <a:bodyPr wrap="square">
+            <a:spAutoFit/>
+          </a:bodyPr>
+          <a:lstStyle/>
+          <a:p>
+            <a:r>
+              <a:rPr lang="zh-CN" altLang="en-US" sz="2000" dirty="0"/>
+              <a:t>争论</a:t>
+            </a:r>
+          </a:p>
+        </p:txBody>
+      </p:sp>
+    </p:spTree>
+    <p:extLst>
+      <p:ext uri="{BB962C8B-B14F-4D97-AF65-F5344CB8AC3E}">
+        <p14:creationId xmlns:p14="http://schemas.microsoft.com/office/powerpoint/2010/main" val="859924675"/>
+      </p:ext>
+    </p:extLst>
+  </p:cSld>
+  <p:clrMapOvr>
+    <a:masterClrMapping/>
+  </p:clrMapOvr>
+</p:sld>
+</file>
+
+<file path=ppt/slides/slide14.xml><?xml version="1.0" encoding="utf-8"?>
+<p:sld xmlns:a="http://schemas.openxmlformats.org/drawingml/2006/main" xmlns:r="http://schemas.openxmlformats.org/officeDocument/2006/relationships" xmlns:p="http://schemas.openxmlformats.org/presentationml/2006/main">
+  <p:cSld>
+    <p:spTree>
+      <p:nvGrpSpPr>
+        <p:cNvPr id="1" name=""/>
+        <p:cNvGrpSpPr/>
+        <p:nvPr/>
+      </p:nvGrpSpPr>
+      <p:grpSpPr>
+        <a:xfrm>
+          <a:off x="0" y="0"/>
+          <a:ext cx="0" cy="0"/>
+          <a:chOff x="0" y="0"/>
+          <a:chExt cx="0" cy="0"/>
+        </a:xfrm>
+      </p:grpSpPr>
+      <p:sp>
+        <p:nvSpPr>
+          <p:cNvPr id="8" name="文本框 7">
+            <a:extLst>
+              <a:ext uri="{FF2B5EF4-FFF2-40B4-BE49-F238E27FC236}">
+                <a16:creationId xmlns:a16="http://schemas.microsoft.com/office/drawing/2014/main" id="{C3DDCDB9-7458-60CF-0EA1-947FC504F841}"/>
+              </a:ext>
+            </a:extLst>
+          </p:cNvPr>
+          <p:cNvSpPr txBox="1"/>
+          <p:nvPr/>
+        </p:nvSpPr>
+        <p:spPr>
+          <a:xfrm>
+            <a:off x="690283" y="508792"/>
+            <a:ext cx="1201270" cy="400110"/>
+          </a:xfrm>
+          <a:prstGeom prst="rect">
+            <a:avLst/>
+          </a:prstGeom>
+          <a:noFill/>
+        </p:spPr>
+        <p:txBody>
+          <a:bodyPr wrap="square">
+            <a:spAutoFit/>
+          </a:bodyPr>
+          <a:lstStyle/>
+          <a:p>
+            <a:r>
+              <a:rPr lang="zh-CN" altLang="en-US" sz="2000" dirty="0"/>
+              <a:t>中介效应</a:t>
+            </a:r>
+          </a:p>
+        </p:txBody>
+      </p:sp>
+      <p:pic>
+        <p:nvPicPr>
+          <p:cNvPr id="5" name="图片 4">
+            <a:extLst>
+              <a:ext uri="{FF2B5EF4-FFF2-40B4-BE49-F238E27FC236}">
+                <a16:creationId xmlns:a16="http://schemas.microsoft.com/office/drawing/2014/main" id="{0ADDA74C-3539-2E5A-8FE5-F307AB858E65}"/>
+              </a:ext>
+            </a:extLst>
+          </p:cNvPr>
+          <p:cNvPicPr>
+            <a:picLocks noChangeAspect="1"/>
+          </p:cNvPicPr>
+          <p:nvPr/>
+        </p:nvPicPr>
+        <p:blipFill>
+          <a:blip r:embed="rId2"/>
+          <a:stretch>
+            <a:fillRect/>
+          </a:stretch>
+        </p:blipFill>
+        <p:spPr>
+          <a:xfrm>
+            <a:off x="2460433" y="0"/>
+            <a:ext cx="7271133" cy="6858000"/>
+          </a:xfrm>
+          <a:prstGeom prst="rect">
+            <a:avLst/>
+          </a:prstGeom>
+        </p:spPr>
+      </p:pic>
+      <p:sp>
+        <p:nvSpPr>
+          <p:cNvPr id="2" name="文本框 1">
+            <a:extLst>
+              <a:ext uri="{FF2B5EF4-FFF2-40B4-BE49-F238E27FC236}">
+                <a16:creationId xmlns:a16="http://schemas.microsoft.com/office/drawing/2014/main" id="{8D875050-C35F-E583-9B25-47627589849B}"/>
+              </a:ext>
+            </a:extLst>
+          </p:cNvPr>
+          <p:cNvSpPr txBox="1"/>
+          <p:nvPr/>
+        </p:nvSpPr>
+        <p:spPr>
+          <a:xfrm>
+            <a:off x="690283" y="1661014"/>
+            <a:ext cx="1201270" cy="707886"/>
+          </a:xfrm>
+          <a:prstGeom prst="rect">
+            <a:avLst/>
+          </a:prstGeom>
+          <a:noFill/>
+        </p:spPr>
+        <p:txBody>
+          <a:bodyPr wrap="square">
+            <a:spAutoFit/>
+          </a:bodyPr>
+          <a:lstStyle/>
+          <a:p>
+            <a:r>
+              <a:rPr lang="zh-CN" altLang="en-US" sz="2000" dirty="0"/>
+              <a:t>仍有相关文章发表</a:t>
+            </a:r>
+          </a:p>
+        </p:txBody>
+      </p:sp>
+    </p:spTree>
+    <p:extLst>
+      <p:ext uri="{BB962C8B-B14F-4D97-AF65-F5344CB8AC3E}">
+        <p14:creationId xmlns:p14="http://schemas.microsoft.com/office/powerpoint/2010/main" val="1297904174"/>
       </p:ext>
     </p:extLst>
   </p:cSld>
